--- a/SortMan.pptx
+++ b/SortMan.pptx
@@ -8,6 +8,7 @@
     <p:sldId id="256" r:id="rId2"/>
     <p:sldId id="257" r:id="rId3"/>
     <p:sldId id="258" r:id="rId4"/>
+    <p:sldId id="259" r:id="rId5"/>
   </p:sldIdLst>
   <p:sldSz cx="9144000" cy="6858000" type="screen4x3"/>
   <p:notesSz cx="6858000" cy="9144000"/>
@@ -302,7 +303,7 @@
           <a:p>
             <a:fld id="{E5AA7C26-7C2D-4DF3-A252-E8DABADBDB81}" type="datetimeFigureOut">
               <a:rPr lang="ru-RU" smtClean="0"/>
-              <a:t>25.11.2024</a:t>
+              <a:t>26.11.2024</a:t>
             </a:fld>
             <a:endParaRPr lang="ru-RU"/>
           </a:p>
@@ -567,7 +568,7 @@
           <a:p>
             <a:fld id="{E5AA7C26-7C2D-4DF3-A252-E8DABADBDB81}" type="datetimeFigureOut">
               <a:rPr lang="ru-RU" smtClean="0"/>
-              <a:t>25.11.2024</a:t>
+              <a:t>26.11.2024</a:t>
             </a:fld>
             <a:endParaRPr lang="ru-RU"/>
           </a:p>
@@ -742,7 +743,7 @@
           <a:p>
             <a:fld id="{E5AA7C26-7C2D-4DF3-A252-E8DABADBDB81}" type="datetimeFigureOut">
               <a:rPr lang="ru-RU" smtClean="0"/>
-              <a:t>25.11.2024</a:t>
+              <a:t>26.11.2024</a:t>
             </a:fld>
             <a:endParaRPr lang="ru-RU"/>
           </a:p>
@@ -907,7 +908,7 @@
           <a:p>
             <a:fld id="{E5AA7C26-7C2D-4DF3-A252-E8DABADBDB81}" type="datetimeFigureOut">
               <a:rPr lang="ru-RU" smtClean="0"/>
-              <a:t>25.11.2024</a:t>
+              <a:t>26.11.2024</a:t>
             </a:fld>
             <a:endParaRPr lang="ru-RU"/>
           </a:p>
@@ -1156,7 +1157,7 @@
           <a:p>
             <a:fld id="{E5AA7C26-7C2D-4DF3-A252-E8DABADBDB81}" type="datetimeFigureOut">
               <a:rPr lang="ru-RU" smtClean="0"/>
-              <a:t>25.11.2024</a:t>
+              <a:t>26.11.2024</a:t>
             </a:fld>
             <a:endParaRPr lang="ru-RU"/>
           </a:p>
@@ -1439,7 +1440,7 @@
           <a:p>
             <a:fld id="{E5AA7C26-7C2D-4DF3-A252-E8DABADBDB81}" type="datetimeFigureOut">
               <a:rPr lang="ru-RU" smtClean="0"/>
-              <a:t>25.11.2024</a:t>
+              <a:t>26.11.2024</a:t>
             </a:fld>
             <a:endParaRPr lang="ru-RU"/>
           </a:p>
@@ -1878,7 +1879,7 @@
           <a:p>
             <a:fld id="{E5AA7C26-7C2D-4DF3-A252-E8DABADBDB81}" type="datetimeFigureOut">
               <a:rPr lang="ru-RU" smtClean="0"/>
-              <a:t>25.11.2024</a:t>
+              <a:t>26.11.2024</a:t>
             </a:fld>
             <a:endParaRPr lang="ru-RU"/>
           </a:p>
@@ -1991,7 +1992,7 @@
           <a:p>
             <a:fld id="{E5AA7C26-7C2D-4DF3-A252-E8DABADBDB81}" type="datetimeFigureOut">
               <a:rPr lang="ru-RU" smtClean="0"/>
-              <a:t>25.11.2024</a:t>
+              <a:t>26.11.2024</a:t>
             </a:fld>
             <a:endParaRPr lang="ru-RU"/>
           </a:p>
@@ -2081,7 +2082,7 @@
           <a:p>
             <a:fld id="{E5AA7C26-7C2D-4DF3-A252-E8DABADBDB81}" type="datetimeFigureOut">
               <a:rPr lang="ru-RU" smtClean="0"/>
-              <a:t>25.11.2024</a:t>
+              <a:t>26.11.2024</a:t>
             </a:fld>
             <a:endParaRPr lang="ru-RU"/>
           </a:p>
@@ -2323,7 +2324,7 @@
           <a:p>
             <a:fld id="{E5AA7C26-7C2D-4DF3-A252-E8DABADBDB81}" type="datetimeFigureOut">
               <a:rPr lang="ru-RU" smtClean="0"/>
-              <a:t>25.11.2024</a:t>
+              <a:t>26.11.2024</a:t>
             </a:fld>
             <a:endParaRPr lang="ru-RU"/>
           </a:p>
@@ -2617,7 +2618,7 @@
           <a:p>
             <a:fld id="{E5AA7C26-7C2D-4DF3-A252-E8DABADBDB81}" type="datetimeFigureOut">
               <a:rPr lang="ru-RU" smtClean="0"/>
-              <a:t>25.11.2024</a:t>
+              <a:t>26.11.2024</a:t>
             </a:fld>
             <a:endParaRPr lang="ru-RU"/>
           </a:p>
@@ -2911,7 +2912,7 @@
           <a:p>
             <a:fld id="{E5AA7C26-7C2D-4DF3-A252-E8DABADBDB81}" type="datetimeFigureOut">
               <a:rPr lang="ru-RU" smtClean="0"/>
-              <a:t>25.11.2024</a:t>
+              <a:t>26.11.2024</a:t>
             </a:fld>
             <a:endParaRPr lang="ru-RU"/>
           </a:p>
@@ -3526,7 +3527,11 @@
             </a:r>
             <a:r>
               <a:rPr lang="ru-RU" dirty="0" smtClean="0"/>
-              <a:t>настраиваемый сортировщик файлов.</a:t>
+              <a:t>настраиваемый сортировщик файлов</a:t>
+            </a:r>
+            <a:r>
+              <a:rPr lang="ru-RU" dirty="0" smtClean="0"/>
+              <a:t>.</a:t>
             </a:r>
           </a:p>
           <a:p>
@@ -3562,7 +3567,7 @@
             </a:r>
           </a:p>
           <a:p>
-            <a:endParaRPr lang="ru-RU" dirty="0"/>
+            <a:endParaRPr lang="ru-RU" dirty="0" smtClean="0"/>
           </a:p>
           <a:p>
             <a:endParaRPr lang="ru-RU" dirty="0" smtClean="0"/>
@@ -3624,11 +3629,20 @@
             <p:ph type="title"/>
           </p:nvPr>
         </p:nvSpPr>
-        <p:spPr/>
-        <p:txBody>
-          <a:bodyPr/>
-          <a:lstStyle/>
-          <a:p>
+        <p:spPr>
+          <a:xfrm>
+            <a:off x="457200" y="152718"/>
+            <a:ext cx="6707088" cy="1371600"/>
+          </a:xfrm>
+        </p:spPr>
+        <p:txBody>
+          <a:bodyPr/>
+          <a:lstStyle/>
+          <a:p>
+            <a:r>
+              <a:rPr lang="ru-RU" dirty="0" smtClean="0"/>
+              <a:t>Решаемая проблема</a:t>
+            </a:r>
             <a:endParaRPr lang="ru-RU" dirty="0"/>
           </a:p>
         </p:txBody>
@@ -3648,7 +3662,23 @@
           <a:bodyPr/>
           <a:lstStyle/>
           <a:p>
-            <a:endParaRPr lang="ru-RU"/>
+            <a:r>
+              <a:rPr lang="en-US" dirty="0" smtClean="0"/>
+              <a:t>SortMan</a:t>
+            </a:r>
+            <a:r>
+              <a:rPr lang="ru-RU" dirty="0" smtClean="0"/>
+              <a:t> решает проблему потери </a:t>
+            </a:r>
+            <a:r>
+              <a:rPr lang="ru-RU" dirty="0" smtClean="0"/>
+              <a:t>и распределения </a:t>
+            </a:r>
+            <a:r>
+              <a:rPr lang="ru-RU" dirty="0" smtClean="0"/>
+              <a:t>данных.</a:t>
+            </a:r>
+            <a:endParaRPr lang="ru-RU" dirty="0"/>
           </a:p>
         </p:txBody>
       </p:sp>
@@ -3656,6 +3686,79 @@
     <p:extLst>
       <p:ext uri="{BB962C8B-B14F-4D97-AF65-F5344CB8AC3E}">
         <p14:creationId xmlns:p14="http://schemas.microsoft.com/office/powerpoint/2010/main" val="3948897785"/>
+      </p:ext>
+    </p:extLst>
+  </p:cSld>
+  <p:clrMapOvr>
+    <a:masterClrMapping/>
+  </p:clrMapOvr>
+</p:sld>
+</file>
+
+<file path=ppt/slides/slide4.xml><?xml version="1.0" encoding="utf-8"?>
+<p:sld xmlns:a="http://schemas.openxmlformats.org/drawingml/2006/main" xmlns:r="http://schemas.openxmlformats.org/officeDocument/2006/relationships" xmlns:p="http://schemas.openxmlformats.org/presentationml/2006/main">
+  <p:cSld>
+    <p:spTree>
+      <p:nvGrpSpPr>
+        <p:cNvPr id="1" name=""/>
+        <p:cNvGrpSpPr/>
+        <p:nvPr/>
+      </p:nvGrpSpPr>
+      <p:grpSpPr>
+        <a:xfrm>
+          <a:off x="0" y="0"/>
+          <a:ext cx="0" cy="0"/>
+          <a:chOff x="0" y="0"/>
+          <a:chExt cx="0" cy="0"/>
+        </a:xfrm>
+      </p:grpSpPr>
+      <p:sp>
+        <p:nvSpPr>
+          <p:cNvPr id="2" name="Заголовок 1"/>
+          <p:cNvSpPr>
+            <a:spLocks noGrp="1"/>
+          </p:cNvSpPr>
+          <p:nvPr>
+            <p:ph type="title"/>
+          </p:nvPr>
+        </p:nvSpPr>
+        <p:spPr>
+          <a:xfrm>
+            <a:off x="457200" y="152718"/>
+            <a:ext cx="6851104" cy="1371600"/>
+          </a:xfrm>
+        </p:spPr>
+        <p:txBody>
+          <a:bodyPr/>
+          <a:lstStyle/>
+          <a:p>
+            <a:endParaRPr lang="ru-RU" dirty="0"/>
+          </a:p>
+        </p:txBody>
+      </p:sp>
+      <p:sp>
+        <p:nvSpPr>
+          <p:cNvPr id="3" name="Объект 2"/>
+          <p:cNvSpPr>
+            <a:spLocks noGrp="1"/>
+          </p:cNvSpPr>
+          <p:nvPr>
+            <p:ph idx="1"/>
+          </p:nvPr>
+        </p:nvSpPr>
+        <p:spPr/>
+        <p:txBody>
+          <a:bodyPr/>
+          <a:lstStyle/>
+          <a:p>
+            <a:endParaRPr lang="ru-RU"/>
+          </a:p>
+        </p:txBody>
+      </p:sp>
+    </p:spTree>
+    <p:extLst>
+      <p:ext uri="{BB962C8B-B14F-4D97-AF65-F5344CB8AC3E}">
+        <p14:creationId xmlns:p14="http://schemas.microsoft.com/office/powerpoint/2010/main" val="465308198"/>
       </p:ext>
     </p:extLst>
   </p:cSld>
